--- a/109年度專案計畫_1頁成果說明1091103.pptx
+++ b/109年度專案計畫_1頁成果說明1091103.pptx
@@ -9054,35 +9054,40 @@
             </a:pPr>
             <a:r>
               <a:rPr lang="zh-TW" altLang="en-US" sz="1300" kern="0" dirty="0" smtClean="0">
+                <a:latin typeface="Times New Roman" panose="02020603050405020304" pitchFamily="18" charset="0"/>
                 <a:ea typeface="標楷體" panose="03000509000000000000" pitchFamily="65" charset="-120"/>
-                <a:cs typeface="Arial" panose="020B0604020202020204" pitchFamily="34" charset="0"/>
+                <a:cs typeface="Times New Roman" panose="02020603050405020304" pitchFamily="18" charset="0"/>
               </a:rPr>
               <a:t>專案推動主軸</a:t>
             </a:r>
             <a:r>
               <a:rPr lang="zh-TW" altLang="en-US" sz="1300" kern="0" dirty="0">
+                <a:latin typeface="Times New Roman" panose="02020603050405020304" pitchFamily="18" charset="0"/>
                 <a:ea typeface="標楷體" panose="03000509000000000000" pitchFamily="65" charset="-120"/>
-                <a:cs typeface="Arial" panose="020B0604020202020204" pitchFamily="34" charset="0"/>
+                <a:cs typeface="Times New Roman" panose="02020603050405020304" pitchFamily="18" charset="0"/>
               </a:rPr>
               <a:t>：聚焦於能夠同時提升生產力及競爭力的「智慧製造」關鍵策略，包括清楚掌握產銷流程、提高生產過程的可控性、減少生產線上人工的干預、即時正確地蒐集生產線數據，以及合理的生產計畫編排與生產進度等。透過智慧、感知、互聯等最新 </a:t>
             </a:r>
             <a:r>
               <a:rPr lang="en-US" altLang="zh-TW" sz="1300" kern="0" dirty="0">
+                <a:latin typeface="Times New Roman" panose="02020603050405020304" pitchFamily="18" charset="0"/>
                 <a:ea typeface="標楷體" panose="03000509000000000000" pitchFamily="65" charset="-120"/>
-                <a:cs typeface="Arial" panose="020B0604020202020204" pitchFamily="34" charset="0"/>
+                <a:cs typeface="Times New Roman" panose="02020603050405020304" pitchFamily="18" charset="0"/>
               </a:rPr>
               <a:t>IT</a:t>
             </a:r>
             <a:r>
               <a:rPr lang="zh-TW" altLang="en-US" sz="1300" kern="0" dirty="0">
+                <a:latin typeface="Times New Roman" panose="02020603050405020304" pitchFamily="18" charset="0"/>
                 <a:ea typeface="標楷體" panose="03000509000000000000" pitchFamily="65" charset="-120"/>
-                <a:cs typeface="Arial" panose="020B0604020202020204" pitchFamily="34" charset="0"/>
+                <a:cs typeface="Times New Roman" panose="02020603050405020304" pitchFamily="18" charset="0"/>
               </a:rPr>
               <a:t>技術，利用整合軟體及服務，推動產品功能的全面進化。執行策略為實務調查產業園區廠商生產條件以及如何結合「智慧製造創新升級」之技術開發需求，以規劃產品與智慧製造技術升級目標。</a:t>
             </a:r>
             <a:endParaRPr lang="en-US" altLang="zh-TW" sz="1300" kern="0" dirty="0" smtClean="0">
+              <a:latin typeface="Times New Roman" panose="02020603050405020304" pitchFamily="18" charset="0"/>
               <a:ea typeface="標楷體" panose="03000509000000000000" pitchFamily="65" charset="-120"/>
-              <a:cs typeface="Arial" panose="020B0604020202020204" pitchFamily="34" charset="0"/>
+              <a:cs typeface="Times New Roman" panose="02020603050405020304" pitchFamily="18" charset="0"/>
             </a:endParaRPr>
           </a:p>
           <a:p>
@@ -9093,35 +9098,40 @@
             </a:pPr>
             <a:r>
               <a:rPr lang="zh-TW" altLang="en-US" sz="1300" kern="0" dirty="0" smtClean="0">
+                <a:latin typeface="Times New Roman" panose="02020603050405020304" pitchFamily="18" charset="0"/>
                 <a:ea typeface="標楷體" panose="03000509000000000000" pitchFamily="65" charset="-120"/>
-                <a:cs typeface="Arial" panose="020B0604020202020204" pitchFamily="34" charset="0"/>
+                <a:cs typeface="Times New Roman" panose="02020603050405020304" pitchFamily="18" charset="0"/>
               </a:rPr>
               <a:t>創新特點</a:t>
             </a:r>
             <a:r>
               <a:rPr lang="zh-TW" altLang="en-US" sz="1300" kern="0" dirty="0">
+                <a:latin typeface="Times New Roman" panose="02020603050405020304" pitchFamily="18" charset="0"/>
                 <a:ea typeface="標楷體" panose="03000509000000000000" pitchFamily="65" charset="-120"/>
-                <a:cs typeface="Arial" panose="020B0604020202020204" pitchFamily="34" charset="0"/>
+                <a:cs typeface="Times New Roman" panose="02020603050405020304" pitchFamily="18" charset="0"/>
               </a:rPr>
               <a:t>說明：輔導矽谷能源開發「</a:t>
             </a:r>
             <a:r>
               <a:rPr lang="en-US" altLang="zh-TW" sz="1300" kern="0" dirty="0">
+                <a:latin typeface="Times New Roman" panose="02020603050405020304" pitchFamily="18" charset="0"/>
                 <a:ea typeface="標楷體" panose="03000509000000000000" pitchFamily="65" charset="-120"/>
-                <a:cs typeface="Arial" panose="020B0604020202020204" pitchFamily="34" charset="0"/>
+                <a:cs typeface="Times New Roman" panose="02020603050405020304" pitchFamily="18" charset="0"/>
               </a:rPr>
               <a:t>E-BIKE</a:t>
             </a:r>
             <a:r>
               <a:rPr lang="zh-TW" altLang="en-US" sz="1300" kern="0" dirty="0">
+                <a:latin typeface="Times New Roman" panose="02020603050405020304" pitchFamily="18" charset="0"/>
                 <a:ea typeface="標楷體" panose="03000509000000000000" pitchFamily="65" charset="-120"/>
-                <a:cs typeface="Arial" panose="020B0604020202020204" pitchFamily="34" charset="0"/>
+                <a:cs typeface="Times New Roman" panose="02020603050405020304" pitchFamily="18" charset="0"/>
               </a:rPr>
               <a:t>鋰電池模組」能夠針對客戶所提出之客製化需求進行設計與製作。可吸引高價位電動自行車品牌的公司合作，進軍歐美市場，藉此提升的品牌形象與聲望，在國內外能源產業之間奠定更高的地位。協助上泉混凝土發展具高乘載力高透水性的高性能透水混凝土鋪面材料，可降低道路維護費用，增加行車安全，而其保水功能對土壤內生態又有極大助益，並且可降低都市熱島效應之溫度，達成節能減碳之目標。</a:t>
             </a:r>
             <a:endParaRPr lang="en-US" altLang="zh-TW" sz="1300" kern="0" dirty="0" smtClean="0">
+              <a:latin typeface="Times New Roman" panose="02020603050405020304" pitchFamily="18" charset="0"/>
               <a:ea typeface="標楷體" panose="03000509000000000000" pitchFamily="65" charset="-120"/>
-              <a:cs typeface="Arial" panose="020B0604020202020204" pitchFamily="34" charset="0"/>
+              <a:cs typeface="Times New Roman" panose="02020603050405020304" pitchFamily="18" charset="0"/>
             </a:endParaRPr>
           </a:p>
           <a:p>
@@ -9132,14 +9142,16 @@
             </a:pPr>
             <a:r>
               <a:rPr lang="zh-TW" altLang="en-US" sz="1300" kern="0" dirty="0" smtClean="0">
+                <a:latin typeface="Times New Roman" panose="02020603050405020304" pitchFamily="18" charset="0"/>
                 <a:ea typeface="標楷體" panose="03000509000000000000" pitchFamily="65" charset="-120"/>
-                <a:cs typeface="Arial" panose="020B0604020202020204" pitchFamily="34" charset="0"/>
+                <a:cs typeface="Times New Roman" panose="02020603050405020304" pitchFamily="18" charset="0"/>
               </a:rPr>
               <a:t>主要工作說明：</a:t>
             </a:r>
             <a:endParaRPr lang="en-US" altLang="zh-TW" sz="1300" kern="0" dirty="0">
+              <a:latin typeface="Times New Roman" panose="02020603050405020304" pitchFamily="18" charset="0"/>
               <a:ea typeface="標楷體" panose="03000509000000000000" pitchFamily="65" charset="-120"/>
-              <a:cs typeface="Arial" panose="020B0604020202020204" pitchFamily="34" charset="0"/>
+              <a:cs typeface="Times New Roman" panose="02020603050405020304" pitchFamily="18" charset="0"/>
             </a:endParaRPr>
           </a:p>
           <a:p>
@@ -9148,42 +9160,48 @@
             </a:pPr>
             <a:r>
               <a:rPr lang="en-US" altLang="zh-TW" sz="1300" dirty="0" smtClean="0">
+                <a:latin typeface="Times New Roman" panose="02020603050405020304" pitchFamily="18" charset="0"/>
                 <a:ea typeface="標楷體" panose="03000509000000000000" pitchFamily="65" charset="-120"/>
-                <a:cs typeface="Arial" panose="020B0604020202020204" pitchFamily="34" charset="0"/>
+                <a:cs typeface="Times New Roman" panose="02020603050405020304" pitchFamily="18" charset="0"/>
               </a:rPr>
               <a:t>	(1) </a:t>
             </a:r>
             <a:r>
               <a:rPr lang="zh-TW" altLang="en-US" sz="1300" dirty="0" smtClean="0">
+                <a:latin typeface="Times New Roman" panose="02020603050405020304" pitchFamily="18" charset="0"/>
                 <a:ea typeface="標楷體" panose="03000509000000000000" pitchFamily="65" charset="-120"/>
-                <a:cs typeface="Arial" panose="020B0604020202020204" pitchFamily="34" charset="0"/>
+                <a:cs typeface="Times New Roman" panose="02020603050405020304" pitchFamily="18" charset="0"/>
               </a:rPr>
               <a:t>園區</a:t>
             </a:r>
             <a:r>
               <a:rPr lang="zh-TW" altLang="en-US" sz="1300" dirty="0">
+                <a:latin typeface="Times New Roman" panose="02020603050405020304" pitchFamily="18" charset="0"/>
                 <a:ea typeface="標楷體" panose="03000509000000000000" pitchFamily="65" charset="-120"/>
-                <a:cs typeface="Arial" panose="020B0604020202020204" pitchFamily="34" charset="0"/>
+                <a:cs typeface="Times New Roman" panose="02020603050405020304" pitchFamily="18" charset="0"/>
               </a:rPr>
               <a:t>廠商需求訪視</a:t>
             </a:r>
             <a:r>
               <a:rPr lang="en-US" altLang="zh-TW" sz="1300" dirty="0">
+                <a:latin typeface="Times New Roman" panose="02020603050405020304" pitchFamily="18" charset="0"/>
                 <a:ea typeface="標楷體" panose="03000509000000000000" pitchFamily="65" charset="-120"/>
-                <a:cs typeface="Arial" panose="020B0604020202020204" pitchFamily="34" charset="0"/>
+                <a:cs typeface="Times New Roman" panose="02020603050405020304" pitchFamily="18" charset="0"/>
               </a:rPr>
               <a:t>40</a:t>
             </a:r>
             <a:r>
               <a:rPr lang="zh-TW" altLang="en-US" sz="1300" dirty="0" smtClean="0">
+                <a:latin typeface="Times New Roman" panose="02020603050405020304" pitchFamily="18" charset="0"/>
                 <a:ea typeface="標楷體" panose="03000509000000000000" pitchFamily="65" charset="-120"/>
-                <a:cs typeface="Arial" panose="020B0604020202020204" pitchFamily="34" charset="0"/>
+                <a:cs typeface="Times New Roman" panose="02020603050405020304" pitchFamily="18" charset="0"/>
               </a:rPr>
               <a:t>家</a:t>
             </a:r>
             <a:endParaRPr lang="en-US" altLang="zh-TW" sz="1300" dirty="0" smtClean="0">
+              <a:latin typeface="Times New Roman" panose="02020603050405020304" pitchFamily="18" charset="0"/>
               <a:ea typeface="標楷體" panose="03000509000000000000" pitchFamily="65" charset="-120"/>
-              <a:cs typeface="Arial" panose="020B0604020202020204" pitchFamily="34" charset="0"/>
+              <a:cs typeface="Times New Roman" panose="02020603050405020304" pitchFamily="18" charset="0"/>
             </a:endParaRPr>
           </a:p>
           <a:p>
@@ -9192,100 +9210,294 @@
             </a:pPr>
             <a:r>
               <a:rPr lang="en-US" altLang="zh-TW" sz="1300" dirty="0">
+                <a:latin typeface="Times New Roman" panose="02020603050405020304" pitchFamily="18" charset="0"/>
                 <a:ea typeface="標楷體" panose="03000509000000000000" pitchFamily="65" charset="-120"/>
-                <a:cs typeface="Arial" panose="020B0604020202020204" pitchFamily="34" charset="0"/>
+                <a:cs typeface="Times New Roman" panose="02020603050405020304" pitchFamily="18" charset="0"/>
+              </a:rPr>
+              <a:t>	(2) </a:t>
+            </a:r>
+            <a:r>
+              <a:rPr lang="zh-TW" altLang="en-US" sz="1300" dirty="0">
+                <a:latin typeface="Times New Roman" panose="02020603050405020304" pitchFamily="18" charset="0"/>
+                <a:ea typeface="標楷體" panose="03000509000000000000" pitchFamily="65" charset="-120"/>
+                <a:cs typeface="Times New Roman" panose="02020603050405020304" pitchFamily="18" charset="0"/>
+              </a:rPr>
+              <a:t>短期技術輔導</a:t>
+            </a:r>
+            <a:r>
+              <a:rPr lang="en-US" altLang="zh-TW" sz="1300" dirty="0">
+                <a:latin typeface="Times New Roman" panose="02020603050405020304" pitchFamily="18" charset="0"/>
+                <a:ea typeface="標楷體" panose="03000509000000000000" pitchFamily="65" charset="-120"/>
+                <a:cs typeface="Times New Roman" panose="02020603050405020304" pitchFamily="18" charset="0"/>
+              </a:rPr>
+              <a:t>6</a:t>
+            </a:r>
+            <a:r>
+              <a:rPr lang="zh-TW" altLang="en-US" sz="1300" dirty="0" smtClean="0">
+                <a:latin typeface="Times New Roman" panose="02020603050405020304" pitchFamily="18" charset="0"/>
+                <a:ea typeface="標楷體" panose="03000509000000000000" pitchFamily="65" charset="-120"/>
+                <a:cs typeface="Times New Roman" panose="02020603050405020304" pitchFamily="18" charset="0"/>
+              </a:rPr>
+              <a:t>家</a:t>
+            </a:r>
+            <a:endParaRPr lang="en-US" altLang="zh-TW" sz="1300" dirty="0" smtClean="0">
+              <a:latin typeface="Times New Roman" panose="02020603050405020304" pitchFamily="18" charset="0"/>
+              <a:ea typeface="標楷體" panose="03000509000000000000" pitchFamily="65" charset="-120"/>
+              <a:cs typeface="Times New Roman" panose="02020603050405020304" pitchFamily="18" charset="0"/>
+            </a:endParaRPr>
+          </a:p>
+          <a:p>
+            <a:pPr algn="just" defTabSz="457200">
+              <a:defRPr/>
+            </a:pPr>
+            <a:r>
+              <a:rPr lang="en-US" altLang="zh-TW" sz="1300" dirty="0">
+                <a:latin typeface="Times New Roman" panose="02020603050405020304" pitchFamily="18" charset="0"/>
+                <a:ea typeface="標楷體" panose="03000509000000000000" pitchFamily="65" charset="-120"/>
+                <a:cs typeface="Times New Roman" panose="02020603050405020304" pitchFamily="18" charset="0"/>
+              </a:rPr>
+              <a:t>	(3) </a:t>
+            </a:r>
+            <a:r>
+              <a:rPr lang="zh-TW" altLang="en-US" sz="1300" dirty="0">
+                <a:latin typeface="Times New Roman" panose="02020603050405020304" pitchFamily="18" charset="0"/>
+                <a:ea typeface="標楷體" panose="03000509000000000000" pitchFamily="65" charset="-120"/>
+                <a:cs typeface="Times New Roman" panose="02020603050405020304" pitchFamily="18" charset="0"/>
+              </a:rPr>
+              <a:t>園區廠商專業人才培訓課程</a:t>
+            </a:r>
+            <a:r>
+              <a:rPr lang="en-US" altLang="zh-TW" sz="1300" dirty="0">
+                <a:latin typeface="Times New Roman" panose="02020603050405020304" pitchFamily="18" charset="0"/>
+                <a:ea typeface="標楷體" panose="03000509000000000000" pitchFamily="65" charset="-120"/>
+                <a:cs typeface="Times New Roman" panose="02020603050405020304" pitchFamily="18" charset="0"/>
+              </a:rPr>
+              <a:t>9</a:t>
+            </a:r>
+            <a:r>
+              <a:rPr lang="zh-TW" altLang="en-US" sz="1300" dirty="0">
+                <a:latin typeface="Times New Roman" panose="02020603050405020304" pitchFamily="18" charset="0"/>
+                <a:ea typeface="標楷體" panose="03000509000000000000" pitchFamily="65" charset="-120"/>
+                <a:cs typeface="Times New Roman" panose="02020603050405020304" pitchFamily="18" charset="0"/>
+              </a:rPr>
+              <a:t>場次，總時數</a:t>
+            </a:r>
+            <a:r>
+              <a:rPr lang="en-US" altLang="zh-TW" sz="1300" dirty="0" smtClean="0">
+                <a:latin typeface="Times New Roman" panose="02020603050405020304" pitchFamily="18" charset="0"/>
+                <a:ea typeface="標楷體" panose="03000509000000000000" pitchFamily="65" charset="-120"/>
+                <a:cs typeface="Times New Roman" panose="02020603050405020304" pitchFamily="18" charset="0"/>
+              </a:rPr>
+              <a:t>15</a:t>
+            </a:r>
+            <a:r>
+              <a:rPr lang="zh-TW" altLang="en-US" sz="1300" dirty="0" smtClean="0">
+                <a:latin typeface="Times New Roman" panose="02020603050405020304" pitchFamily="18" charset="0"/>
+                <a:ea typeface="標楷體" panose="03000509000000000000" pitchFamily="65" charset="-120"/>
+                <a:cs typeface="Times New Roman" panose="02020603050405020304" pitchFamily="18" charset="0"/>
+              </a:rPr>
+              <a:t>小時</a:t>
+            </a:r>
+            <a:endParaRPr lang="en-US" altLang="zh-TW" sz="1300" dirty="0" smtClean="0">
+              <a:latin typeface="Times New Roman" panose="02020603050405020304" pitchFamily="18" charset="0"/>
+              <a:ea typeface="標楷體" panose="03000509000000000000" pitchFamily="65" charset="-120"/>
+              <a:cs typeface="Times New Roman" panose="02020603050405020304" pitchFamily="18" charset="0"/>
+            </a:endParaRPr>
+          </a:p>
+          <a:p>
+            <a:pPr algn="just" defTabSz="457200">
+              <a:defRPr/>
+            </a:pPr>
+            <a:r>
+              <a:rPr lang="en-US" altLang="zh-TW" sz="1300" dirty="0">
+                <a:latin typeface="Times New Roman" panose="02020603050405020304" pitchFamily="18" charset="0"/>
+                <a:ea typeface="標楷體" panose="03000509000000000000" pitchFamily="65" charset="-120"/>
+                <a:cs typeface="Times New Roman" panose="02020603050405020304" pitchFamily="18" charset="0"/>
               </a:rPr>
               <a:t>	</a:t>
             </a:r>
             <a:r>
+              <a:rPr lang="zh-TW" altLang="en-US" sz="1300" dirty="0">
+                <a:latin typeface="Times New Roman" panose="02020603050405020304" pitchFamily="18" charset="0"/>
+                <a:ea typeface="標楷體" panose="03000509000000000000" pitchFamily="65" charset="-120"/>
+                <a:cs typeface="Times New Roman" panose="02020603050405020304" pitchFamily="18" charset="0"/>
+              </a:rPr>
+              <a:t> </a:t>
+            </a:r>
+            <a:r>
+              <a:rPr lang="zh-TW" altLang="en-US" sz="1300" dirty="0" smtClean="0">
+                <a:latin typeface="Times New Roman" panose="02020603050405020304" pitchFamily="18" charset="0"/>
+                <a:ea typeface="標楷體" panose="03000509000000000000" pitchFamily="65" charset="-120"/>
+                <a:cs typeface="Times New Roman" panose="02020603050405020304" pitchFamily="18" charset="0"/>
+              </a:rPr>
+              <a:t>   </a:t>
+            </a:r>
+            <a:r>
+              <a:rPr lang="en-US" altLang="zh-TW" sz="1300" dirty="0" smtClean="0">
+                <a:latin typeface="Times New Roman" panose="02020603050405020304" pitchFamily="18" charset="0"/>
+                <a:ea typeface="標楷體" panose="03000509000000000000" pitchFamily="65" charset="-120"/>
+                <a:cs typeface="Times New Roman" panose="02020603050405020304" pitchFamily="18" charset="0"/>
+              </a:rPr>
+              <a:t>(</a:t>
+            </a:r>
+            <a:r>
               <a:rPr lang="en-US" altLang="zh-TW" sz="1300" dirty="0">
+                <a:latin typeface="Times New Roman" panose="02020603050405020304" pitchFamily="18" charset="0"/>
                 <a:ea typeface="標楷體" panose="03000509000000000000" pitchFamily="65" charset="-120"/>
-                <a:cs typeface="Arial" panose="020B0604020202020204" pitchFamily="34" charset="0"/>
+                <a:cs typeface="Times New Roman" panose="02020603050405020304" pitchFamily="18" charset="0"/>
               </a:rPr>
-              <a:t>(2) </a:t>
+              <a:t>4</a:t>
+            </a:r>
+            <a:r>
+              <a:rPr lang="en-US" altLang="zh-TW" sz="1300" dirty="0" smtClean="0">
+                <a:latin typeface="Times New Roman" panose="02020603050405020304" pitchFamily="18" charset="0"/>
+                <a:ea typeface="標楷體" panose="03000509000000000000" pitchFamily="65" charset="-120"/>
+                <a:cs typeface="Times New Roman" panose="02020603050405020304" pitchFamily="18" charset="0"/>
+              </a:rPr>
+              <a:t>)</a:t>
+            </a:r>
+            <a:r>
+              <a:rPr lang="zh-TW" altLang="en-US" sz="1300" dirty="0" smtClean="0">
+                <a:latin typeface="Times New Roman" panose="02020603050405020304" pitchFamily="18" charset="0"/>
+                <a:ea typeface="標楷體" panose="03000509000000000000" pitchFamily="65" charset="-120"/>
+                <a:cs typeface="Times New Roman" panose="02020603050405020304" pitchFamily="18" charset="0"/>
+              </a:rPr>
+              <a:t>師生</a:t>
             </a:r>
             <a:r>
               <a:rPr lang="zh-TW" altLang="en-US" sz="1300" dirty="0">
+                <a:latin typeface="Times New Roman" panose="02020603050405020304" pitchFamily="18" charset="0"/>
                 <a:ea typeface="標楷體" panose="03000509000000000000" pitchFamily="65" charset="-120"/>
-                <a:cs typeface="Arial" panose="020B0604020202020204" pitchFamily="34" charset="0"/>
+                <a:cs typeface="Times New Roman" panose="02020603050405020304" pitchFamily="18" charset="0"/>
               </a:rPr>
-              <a:t>短期技術輔導</a:t>
-            </a:r>
+              <a:t>參與，如校外見習、參訪、學生專題</a:t>
+            </a:r>
+            <a:r>
+              <a:rPr lang="zh-TW" altLang="en-US" sz="1300" dirty="0" smtClean="0">
+                <a:latin typeface="Times New Roman" panose="02020603050405020304" pitchFamily="18" charset="0"/>
+                <a:ea typeface="標楷體" panose="03000509000000000000" pitchFamily="65" charset="-120"/>
+                <a:cs typeface="Times New Roman" panose="02020603050405020304" pitchFamily="18" charset="0"/>
+              </a:rPr>
+              <a:t>製作</a:t>
+            </a:r>
+            <a:r>
+              <a:rPr lang="zh-TW" altLang="en-US" sz="1300" dirty="0">
+                <a:latin typeface="Times New Roman" panose="02020603050405020304" pitchFamily="18" charset="0"/>
+                <a:ea typeface="標楷體" panose="03000509000000000000" pitchFamily="65" charset="-120"/>
+                <a:cs typeface="Times New Roman" panose="02020603050405020304" pitchFamily="18" charset="0"/>
+              </a:rPr>
+              <a:t>等</a:t>
+            </a:r>
+            <a:r>
+              <a:rPr lang="zh-TW" altLang="en-US" sz="1300" dirty="0" smtClean="0">
+                <a:latin typeface="Times New Roman" panose="02020603050405020304" pitchFamily="18" charset="0"/>
+                <a:ea typeface="標楷體" panose="03000509000000000000" pitchFamily="65" charset="-120"/>
+                <a:cs typeface="Times New Roman" panose="02020603050405020304" pitchFamily="18" charset="0"/>
+              </a:rPr>
+              <a:t>共</a:t>
+            </a:r>
+            <a:r>
+              <a:rPr lang="en-US" altLang="zh-TW" sz="1300" dirty="0" smtClean="0">
+                <a:latin typeface="Times New Roman" panose="02020603050405020304" pitchFamily="18" charset="0"/>
+                <a:ea typeface="標楷體" panose="03000509000000000000" pitchFamily="65" charset="-120"/>
+                <a:cs typeface="Times New Roman" panose="02020603050405020304" pitchFamily="18" charset="0"/>
+              </a:rPr>
+              <a:t>5</a:t>
+            </a:r>
+            <a:r>
+              <a:rPr lang="zh-TW" altLang="en-US" sz="1300" dirty="0">
+                <a:latin typeface="Times New Roman" panose="02020603050405020304" pitchFamily="18" charset="0"/>
+                <a:ea typeface="標楷體" panose="03000509000000000000" pitchFamily="65" charset="-120"/>
+                <a:cs typeface="Times New Roman" panose="02020603050405020304" pitchFamily="18" charset="0"/>
+              </a:rPr>
+              <a:t>案</a:t>
+            </a:r>
+            <a:r>
+              <a:rPr lang="zh-TW" altLang="en-US" sz="1300" dirty="0" smtClean="0">
+                <a:latin typeface="Times New Roman" panose="02020603050405020304" pitchFamily="18" charset="0"/>
+                <a:ea typeface="標楷體" panose="03000509000000000000" pitchFamily="65" charset="-120"/>
+                <a:cs typeface="Times New Roman" panose="02020603050405020304" pitchFamily="18" charset="0"/>
+              </a:rPr>
+              <a:t>，</a:t>
+            </a:r>
+            <a:r>
+              <a:rPr lang="en-US" altLang="zh-TW" sz="1300" dirty="0" smtClean="0">
+                <a:latin typeface="Times New Roman" panose="02020603050405020304" pitchFamily="18" charset="0"/>
+                <a:ea typeface="標楷體" panose="03000509000000000000" pitchFamily="65" charset="-120"/>
+                <a:cs typeface="Times New Roman" panose="02020603050405020304" pitchFamily="18" charset="0"/>
+              </a:rPr>
+              <a:t>	114</a:t>
+            </a:r>
+            <a:r>
+              <a:rPr lang="zh-TW" altLang="en-US" sz="1300" dirty="0" smtClean="0">
+                <a:latin typeface="Times New Roman" panose="02020603050405020304" pitchFamily="18" charset="0"/>
+                <a:ea typeface="標楷體" panose="03000509000000000000" pitchFamily="65" charset="-120"/>
+                <a:cs typeface="Times New Roman" panose="02020603050405020304" pitchFamily="18" charset="0"/>
+              </a:rPr>
+              <a:t>人次</a:t>
+            </a:r>
+            <a:endParaRPr lang="en-US" altLang="zh-TW" sz="1300" dirty="0" smtClean="0">
+              <a:latin typeface="Times New Roman" panose="02020603050405020304" pitchFamily="18" charset="0"/>
+              <a:ea typeface="標楷體" panose="03000509000000000000" pitchFamily="65" charset="-120"/>
+              <a:cs typeface="Times New Roman" panose="02020603050405020304" pitchFamily="18" charset="0"/>
+            </a:endParaRPr>
+          </a:p>
+          <a:p>
+            <a:pPr algn="just" defTabSz="457200">
+              <a:defRPr/>
+            </a:pPr>
             <a:r>
               <a:rPr lang="en-US" altLang="zh-TW" sz="1300" dirty="0">
+                <a:latin typeface="Times New Roman" panose="02020603050405020304" pitchFamily="18" charset="0"/>
                 <a:ea typeface="標楷體" panose="03000509000000000000" pitchFamily="65" charset="-120"/>
-                <a:cs typeface="Arial" panose="020B0604020202020204" pitchFamily="34" charset="0"/>
+                <a:cs typeface="Times New Roman" panose="02020603050405020304" pitchFamily="18" charset="0"/>
               </a:rPr>
-              <a:t>6</a:t>
-            </a:r>
-            <a:r>
-              <a:rPr lang="zh-TW" altLang="en-US" sz="1300" dirty="0" smtClean="0">
+              <a:t>	(5) </a:t>
+            </a:r>
+            <a:r>
+              <a:rPr lang="zh-TW" altLang="en-US" sz="1300" dirty="0">
+                <a:latin typeface="Times New Roman" panose="02020603050405020304" pitchFamily="18" charset="0"/>
                 <a:ea typeface="標楷體" panose="03000509000000000000" pitchFamily="65" charset="-120"/>
-                <a:cs typeface="Arial" panose="020B0604020202020204" pitchFamily="34" charset="0"/>
+                <a:cs typeface="Times New Roman" panose="02020603050405020304" pitchFamily="18" charset="0"/>
               </a:rPr>
-              <a:t>家</a:t>
-            </a:r>
-            <a:endParaRPr lang="en-US" altLang="zh-TW" sz="1300" dirty="0" smtClean="0">
-              <a:ea typeface="標楷體" panose="03000509000000000000" pitchFamily="65" charset="-120"/>
-              <a:cs typeface="Arial" panose="020B0604020202020204" pitchFamily="34" charset="0"/>
-            </a:endParaRPr>
-          </a:p>
-          <a:p>
-            <a:pPr algn="just" defTabSz="457200">
-              <a:defRPr/>
-            </a:pPr>
+              <a:t>學生企業實習廠商</a:t>
+            </a:r>
             <a:r>
               <a:rPr lang="en-US" altLang="zh-TW" sz="1300" dirty="0">
+                <a:latin typeface="Times New Roman" panose="02020603050405020304" pitchFamily="18" charset="0"/>
                 <a:ea typeface="標楷體" panose="03000509000000000000" pitchFamily="65" charset="-120"/>
-                <a:cs typeface="Arial" panose="020B0604020202020204" pitchFamily="34" charset="0"/>
-              </a:rPr>
-              <a:t>	</a:t>
-            </a:r>
-            <a:r>
-              <a:rPr lang="en-US" altLang="zh-TW" sz="1300" dirty="0">
-                <a:ea typeface="標楷體" panose="03000509000000000000" pitchFamily="65" charset="-120"/>
-                <a:cs typeface="Arial" panose="020B0604020202020204" pitchFamily="34" charset="0"/>
-              </a:rPr>
-              <a:t>(3) </a:t>
-            </a:r>
-            <a:r>
-              <a:rPr lang="zh-TW" altLang="en-US" sz="1300" dirty="0">
-                <a:ea typeface="標楷體" panose="03000509000000000000" pitchFamily="65" charset="-120"/>
-                <a:cs typeface="Arial" panose="020B0604020202020204" pitchFamily="34" charset="0"/>
-              </a:rPr>
-              <a:t>園區廠商專業人才培訓課程</a:t>
-            </a:r>
-            <a:r>
-              <a:rPr lang="en-US" altLang="zh-TW" sz="1300" dirty="0">
-                <a:ea typeface="標楷體" panose="03000509000000000000" pitchFamily="65" charset="-120"/>
-                <a:cs typeface="Arial" panose="020B0604020202020204" pitchFamily="34" charset="0"/>
+                <a:cs typeface="Times New Roman" panose="02020603050405020304" pitchFamily="18" charset="0"/>
               </a:rPr>
               <a:t>9</a:t>
             </a:r>
             <a:r>
               <a:rPr lang="zh-TW" altLang="en-US" sz="1300" dirty="0">
+                <a:latin typeface="Times New Roman" panose="02020603050405020304" pitchFamily="18" charset="0"/>
                 <a:ea typeface="標楷體" panose="03000509000000000000" pitchFamily="65" charset="-120"/>
-                <a:cs typeface="Arial" panose="020B0604020202020204" pitchFamily="34" charset="0"/>
+                <a:cs typeface="Times New Roman" panose="02020603050405020304" pitchFamily="18" charset="0"/>
               </a:rPr>
-              <a:t>場次，總時數</a:t>
-            </a:r>
-            <a:r>
-              <a:rPr lang="en-US" altLang="zh-TW" sz="1300" dirty="0" smtClean="0">
+              <a:t>家，參與人數</a:t>
+            </a:r>
+            <a:r>
+              <a:rPr lang="en-US" altLang="zh-TW" sz="1300" dirty="0">
+                <a:latin typeface="Times New Roman" panose="02020603050405020304" pitchFamily="18" charset="0"/>
                 <a:ea typeface="標楷體" panose="03000509000000000000" pitchFamily="65" charset="-120"/>
-                <a:cs typeface="Arial" panose="020B0604020202020204" pitchFamily="34" charset="0"/>
+                <a:cs typeface="Times New Roman" panose="02020603050405020304" pitchFamily="18" charset="0"/>
               </a:rPr>
-              <a:t>15</a:t>
+              <a:t>30</a:t>
             </a:r>
             <a:r>
               <a:rPr lang="zh-TW" altLang="en-US" sz="1300" dirty="0" smtClean="0">
+                <a:latin typeface="Times New Roman" panose="02020603050405020304" pitchFamily="18" charset="0"/>
                 <a:ea typeface="標楷體" panose="03000509000000000000" pitchFamily="65" charset="-120"/>
-                <a:cs typeface="Arial" panose="020B0604020202020204" pitchFamily="34" charset="0"/>
+                <a:cs typeface="Times New Roman" panose="02020603050405020304" pitchFamily="18" charset="0"/>
               </a:rPr>
-              <a:t>小時</a:t>
+              <a:t>人</a:t>
             </a:r>
             <a:endParaRPr lang="en-US" altLang="zh-TW" sz="1300" dirty="0" smtClean="0">
+              <a:latin typeface="Times New Roman" panose="02020603050405020304" pitchFamily="18" charset="0"/>
               <a:ea typeface="標楷體" panose="03000509000000000000" pitchFamily="65" charset="-120"/>
-              <a:cs typeface="Arial" panose="020B0604020202020204" pitchFamily="34" charset="0"/>
+              <a:cs typeface="Times New Roman" panose="02020603050405020304" pitchFamily="18" charset="0"/>
             </a:endParaRPr>
           </a:p>
           <a:p>
@@ -9294,265 +9506,82 @@
             </a:pPr>
             <a:r>
               <a:rPr lang="en-US" altLang="zh-TW" sz="1300" dirty="0">
+                <a:latin typeface="Times New Roman" panose="02020603050405020304" pitchFamily="18" charset="0"/>
                 <a:ea typeface="標楷體" panose="03000509000000000000" pitchFamily="65" charset="-120"/>
-                <a:cs typeface="Arial" panose="020B0604020202020204" pitchFamily="34" charset="0"/>
+                <a:cs typeface="Times New Roman" panose="02020603050405020304" pitchFamily="18" charset="0"/>
               </a:rPr>
-              <a:t>	</a:t>
+              <a:t>	(6) </a:t>
             </a:r>
             <a:r>
               <a:rPr lang="zh-TW" altLang="en-US" sz="1300" dirty="0">
+                <a:latin typeface="Times New Roman" panose="02020603050405020304" pitchFamily="18" charset="0"/>
                 <a:ea typeface="標楷體" panose="03000509000000000000" pitchFamily="65" charset="-120"/>
-                <a:cs typeface="Arial" panose="020B0604020202020204" pitchFamily="34" charset="0"/>
+                <a:cs typeface="Times New Roman" panose="02020603050405020304" pitchFamily="18" charset="0"/>
               </a:rPr>
-              <a:t> </a:t>
+              <a:t>協助廠商申請政府研發補助計畫</a:t>
+            </a:r>
+            <a:r>
+              <a:rPr lang="en-US" altLang="zh-TW" sz="1300" dirty="0">
+                <a:latin typeface="Times New Roman" panose="02020603050405020304" pitchFamily="18" charset="0"/>
+                <a:ea typeface="標楷體" panose="03000509000000000000" pitchFamily="65" charset="-120"/>
+                <a:cs typeface="Times New Roman" panose="02020603050405020304" pitchFamily="18" charset="0"/>
+              </a:rPr>
+              <a:t>2</a:t>
             </a:r>
             <a:r>
               <a:rPr lang="zh-TW" altLang="en-US" sz="1300" dirty="0" smtClean="0">
+                <a:latin typeface="Times New Roman" panose="02020603050405020304" pitchFamily="18" charset="0"/>
                 <a:ea typeface="標楷體" panose="03000509000000000000" pitchFamily="65" charset="-120"/>
-                <a:cs typeface="Arial" panose="020B0604020202020204" pitchFamily="34" charset="0"/>
-              </a:rPr>
-              <a:t>   </a:t>
-            </a:r>
-            <a:r>
-              <a:rPr lang="en-US" altLang="zh-TW" sz="1300" dirty="0" smtClean="0">
-                <a:ea typeface="標楷體" panose="03000509000000000000" pitchFamily="65" charset="-120"/>
-                <a:cs typeface="Arial" panose="020B0604020202020204" pitchFamily="34" charset="0"/>
-              </a:rPr>
-              <a:t>(</a:t>
-            </a:r>
-            <a:r>
-              <a:rPr lang="en-US" altLang="zh-TW" sz="1300" dirty="0">
-                <a:ea typeface="標楷體" panose="03000509000000000000" pitchFamily="65" charset="-120"/>
-                <a:cs typeface="Arial" panose="020B0604020202020204" pitchFamily="34" charset="0"/>
-              </a:rPr>
-              <a:t>4</a:t>
-            </a:r>
-            <a:r>
-              <a:rPr lang="en-US" altLang="zh-TW" sz="1300" dirty="0" smtClean="0">
-                <a:ea typeface="標楷體" panose="03000509000000000000" pitchFamily="65" charset="-120"/>
-                <a:cs typeface="Arial" panose="020B0604020202020204" pitchFamily="34" charset="0"/>
-              </a:rPr>
-              <a:t>)</a:t>
-            </a:r>
-            <a:r>
-              <a:rPr lang="zh-TW" altLang="en-US" sz="1300" dirty="0" smtClean="0">
-                <a:ea typeface="標楷體" panose="03000509000000000000" pitchFamily="65" charset="-120"/>
-                <a:cs typeface="Arial" panose="020B0604020202020204" pitchFamily="34" charset="0"/>
-              </a:rPr>
-              <a:t>師生</a:t>
-            </a:r>
-            <a:r>
-              <a:rPr lang="zh-TW" altLang="en-US" sz="1300" dirty="0">
-                <a:ea typeface="標楷體" panose="03000509000000000000" pitchFamily="65" charset="-120"/>
-                <a:cs typeface="Arial" panose="020B0604020202020204" pitchFamily="34" charset="0"/>
-              </a:rPr>
-              <a:t>參與，如校外見習、參訪、學生專題</a:t>
-            </a:r>
-            <a:r>
-              <a:rPr lang="zh-TW" altLang="en-US" sz="1300" dirty="0" smtClean="0">
-                <a:ea typeface="標楷體" panose="03000509000000000000" pitchFamily="65" charset="-120"/>
-                <a:cs typeface="Arial" panose="020B0604020202020204" pitchFamily="34" charset="0"/>
-              </a:rPr>
-              <a:t>製作</a:t>
-            </a:r>
-            <a:r>
-              <a:rPr lang="zh-TW" altLang="en-US" sz="1300" dirty="0">
-                <a:ea typeface="標楷體" panose="03000509000000000000" pitchFamily="65" charset="-120"/>
-                <a:cs typeface="Arial" panose="020B0604020202020204" pitchFamily="34" charset="0"/>
-              </a:rPr>
-              <a:t>等</a:t>
-            </a:r>
-            <a:r>
-              <a:rPr lang="zh-TW" altLang="en-US" sz="1300" dirty="0" smtClean="0">
-                <a:ea typeface="標楷體" panose="03000509000000000000" pitchFamily="65" charset="-120"/>
-                <a:cs typeface="Arial" panose="020B0604020202020204" pitchFamily="34" charset="0"/>
-              </a:rPr>
-              <a:t>共</a:t>
-            </a:r>
-            <a:r>
-              <a:rPr lang="en-US" altLang="zh-TW" sz="1300" dirty="0" smtClean="0">
-                <a:ea typeface="標楷體" panose="03000509000000000000" pitchFamily="65" charset="-120"/>
-                <a:cs typeface="Arial" panose="020B0604020202020204" pitchFamily="34" charset="0"/>
-              </a:rPr>
-              <a:t>5</a:t>
-            </a:r>
-            <a:r>
-              <a:rPr lang="zh-TW" altLang="en-US" sz="1300" dirty="0">
-                <a:ea typeface="標楷體" panose="03000509000000000000" pitchFamily="65" charset="-120"/>
-                <a:cs typeface="Arial" panose="020B0604020202020204" pitchFamily="34" charset="0"/>
+                <a:cs typeface="Times New Roman" panose="02020603050405020304" pitchFamily="18" charset="0"/>
               </a:rPr>
               <a:t>案</a:t>
             </a:r>
+            <a:endParaRPr lang="en-US" altLang="zh-TW" sz="1300" dirty="0" smtClean="0">
+              <a:latin typeface="Times New Roman" panose="02020603050405020304" pitchFamily="18" charset="0"/>
+              <a:ea typeface="標楷體" panose="03000509000000000000" pitchFamily="65" charset="-120"/>
+              <a:cs typeface="Times New Roman" panose="02020603050405020304" pitchFamily="18" charset="0"/>
+            </a:endParaRPr>
+          </a:p>
+          <a:p>
+            <a:pPr algn="just" defTabSz="457200">
+              <a:defRPr/>
+            </a:pPr>
+            <a:r>
+              <a:rPr lang="en-US" altLang="zh-TW" sz="1300" dirty="0">
+                <a:latin typeface="Times New Roman" panose="02020603050405020304" pitchFamily="18" charset="0"/>
+                <a:ea typeface="標楷體" panose="03000509000000000000" pitchFamily="65" charset="-120"/>
+                <a:cs typeface="Times New Roman" panose="02020603050405020304" pitchFamily="18" charset="0"/>
+              </a:rPr>
+              <a:t>	(7) </a:t>
+            </a:r>
+            <a:r>
+              <a:rPr lang="zh-TW" altLang="en-US" sz="1300" dirty="0">
+                <a:latin typeface="Times New Roman" panose="02020603050405020304" pitchFamily="18" charset="0"/>
+                <a:ea typeface="標楷體" panose="03000509000000000000" pitchFamily="65" charset="-120"/>
+                <a:cs typeface="Times New Roman" panose="02020603050405020304" pitchFamily="18" charset="0"/>
+              </a:rPr>
+              <a:t>辦理園區廠商與高職學校進行產學攜手就業</a:t>
+            </a:r>
+            <a:r>
+              <a:rPr lang="en-US" altLang="zh-TW" sz="1300" dirty="0" smtClean="0">
+                <a:latin typeface="Times New Roman" panose="02020603050405020304" pitchFamily="18" charset="0"/>
+                <a:ea typeface="標楷體" panose="03000509000000000000" pitchFamily="65" charset="-120"/>
+                <a:cs typeface="Times New Roman" panose="02020603050405020304" pitchFamily="18" charset="0"/>
+              </a:rPr>
+              <a:t>1</a:t>
+            </a:r>
             <a:r>
               <a:rPr lang="zh-TW" altLang="en-US" sz="1300" dirty="0" smtClean="0">
+                <a:latin typeface="Times New Roman" panose="02020603050405020304" pitchFamily="18" charset="0"/>
                 <a:ea typeface="標楷體" panose="03000509000000000000" pitchFamily="65" charset="-120"/>
-                <a:cs typeface="Arial" panose="020B0604020202020204" pitchFamily="34" charset="0"/>
-              </a:rPr>
-              <a:t>，</a:t>
-            </a:r>
-            <a:r>
-              <a:rPr lang="en-US" altLang="zh-TW" sz="1300" dirty="0" smtClean="0">
-                <a:ea typeface="標楷體" panose="03000509000000000000" pitchFamily="65" charset="-120"/>
-                <a:cs typeface="Arial" panose="020B0604020202020204" pitchFamily="34" charset="0"/>
-              </a:rPr>
-              <a:t>	114</a:t>
-            </a:r>
-            <a:r>
-              <a:rPr lang="zh-TW" altLang="en-US" sz="1300" dirty="0" smtClean="0">
-                <a:ea typeface="標楷體" panose="03000509000000000000" pitchFamily="65" charset="-120"/>
-                <a:cs typeface="Arial" panose="020B0604020202020204" pitchFamily="34" charset="0"/>
-              </a:rPr>
-              <a:t>人次</a:t>
-            </a:r>
-            <a:endParaRPr lang="en-US" altLang="zh-TW" sz="1300" dirty="0" smtClean="0">
-              <a:ea typeface="標楷體" panose="03000509000000000000" pitchFamily="65" charset="-120"/>
-              <a:cs typeface="Arial" panose="020B0604020202020204" pitchFamily="34" charset="0"/>
-            </a:endParaRPr>
-          </a:p>
-          <a:p>
-            <a:pPr algn="just" defTabSz="457200">
-              <a:defRPr/>
-            </a:pPr>
-            <a:r>
-              <a:rPr lang="en-US" altLang="zh-TW" sz="1300" dirty="0">
-                <a:ea typeface="標楷體" panose="03000509000000000000" pitchFamily="65" charset="-120"/>
-                <a:cs typeface="Arial" panose="020B0604020202020204" pitchFamily="34" charset="0"/>
-              </a:rPr>
-              <a:t>	</a:t>
-            </a:r>
-            <a:r>
-              <a:rPr lang="en-US" altLang="zh-TW" sz="1300" dirty="0">
-                <a:ea typeface="標楷體" panose="03000509000000000000" pitchFamily="65" charset="-120"/>
-                <a:cs typeface="Arial" panose="020B0604020202020204" pitchFamily="34" charset="0"/>
-              </a:rPr>
-              <a:t>(5) </a:t>
-            </a:r>
-            <a:r>
-              <a:rPr lang="zh-TW" altLang="en-US" sz="1300" dirty="0">
-                <a:ea typeface="標楷體" panose="03000509000000000000" pitchFamily="65" charset="-120"/>
-                <a:cs typeface="Arial" panose="020B0604020202020204" pitchFamily="34" charset="0"/>
-              </a:rPr>
-              <a:t>學生企業實習廠商</a:t>
-            </a:r>
-            <a:r>
-              <a:rPr lang="en-US" altLang="zh-TW" sz="1300" dirty="0">
-                <a:ea typeface="標楷體" panose="03000509000000000000" pitchFamily="65" charset="-120"/>
-                <a:cs typeface="Arial" panose="020B0604020202020204" pitchFamily="34" charset="0"/>
-              </a:rPr>
-              <a:t>9</a:t>
-            </a:r>
-            <a:r>
-              <a:rPr lang="zh-TW" altLang="en-US" sz="1300" dirty="0">
-                <a:ea typeface="標楷體" panose="03000509000000000000" pitchFamily="65" charset="-120"/>
-                <a:cs typeface="Arial" panose="020B0604020202020204" pitchFamily="34" charset="0"/>
-              </a:rPr>
-              <a:t>家，參與人數</a:t>
-            </a:r>
-            <a:r>
-              <a:rPr lang="en-US" altLang="zh-TW" sz="1300" dirty="0">
-                <a:ea typeface="標楷體" panose="03000509000000000000" pitchFamily="65" charset="-120"/>
-                <a:cs typeface="Arial" panose="020B0604020202020204" pitchFamily="34" charset="0"/>
-              </a:rPr>
-              <a:t>30</a:t>
-            </a:r>
-            <a:r>
-              <a:rPr lang="zh-TW" altLang="en-US" sz="1300" dirty="0" smtClean="0">
-                <a:ea typeface="標楷體" panose="03000509000000000000" pitchFamily="65" charset="-120"/>
-                <a:cs typeface="Arial" panose="020B0604020202020204" pitchFamily="34" charset="0"/>
-              </a:rPr>
-              <a:t>人</a:t>
-            </a:r>
-            <a:endParaRPr lang="en-US" altLang="zh-TW" sz="1300" dirty="0" smtClean="0">
-              <a:ea typeface="標楷體" panose="03000509000000000000" pitchFamily="65" charset="-120"/>
-              <a:cs typeface="Arial" panose="020B0604020202020204" pitchFamily="34" charset="0"/>
-            </a:endParaRPr>
-          </a:p>
-          <a:p>
-            <a:pPr algn="just" defTabSz="457200">
-              <a:defRPr/>
-            </a:pPr>
-            <a:r>
-              <a:rPr lang="en-US" altLang="zh-TW" sz="1300" dirty="0">
-                <a:ea typeface="標楷體" panose="03000509000000000000" pitchFamily="65" charset="-120"/>
-                <a:cs typeface="Arial" panose="020B0604020202020204" pitchFamily="34" charset="0"/>
-              </a:rPr>
-              <a:t>	</a:t>
-            </a:r>
-            <a:r>
-              <a:rPr lang="en-US" altLang="zh-TW" sz="1300" dirty="0">
-                <a:ea typeface="標楷體" panose="03000509000000000000" pitchFamily="65" charset="-120"/>
-                <a:cs typeface="Arial" panose="020B0604020202020204" pitchFamily="34" charset="0"/>
-              </a:rPr>
-              <a:t>(6) </a:t>
-            </a:r>
-            <a:r>
-              <a:rPr lang="zh-TW" altLang="en-US" sz="1300" dirty="0">
-                <a:ea typeface="標楷體" panose="03000509000000000000" pitchFamily="65" charset="-120"/>
-                <a:cs typeface="Arial" panose="020B0604020202020204" pitchFamily="34" charset="0"/>
-              </a:rPr>
-              <a:t>協助廠商申請政府研發補助計畫</a:t>
-            </a:r>
-            <a:r>
-              <a:rPr lang="en-US" altLang="zh-TW" sz="1300" dirty="0">
-                <a:ea typeface="標楷體" panose="03000509000000000000" pitchFamily="65" charset="-120"/>
-                <a:cs typeface="Arial" panose="020B0604020202020204" pitchFamily="34" charset="0"/>
-              </a:rPr>
-              <a:t>2</a:t>
-            </a:r>
-            <a:r>
-              <a:rPr lang="zh-TW" altLang="en-US" sz="1300" dirty="0" smtClean="0">
-                <a:ea typeface="標楷體" panose="03000509000000000000" pitchFamily="65" charset="-120"/>
-                <a:cs typeface="Arial" panose="020B0604020202020204" pitchFamily="34" charset="0"/>
+                <a:cs typeface="Times New Roman" panose="02020603050405020304" pitchFamily="18" charset="0"/>
               </a:rPr>
               <a:t>案</a:t>
             </a:r>
-            <a:endParaRPr lang="en-US" altLang="zh-TW" sz="1300" dirty="0" smtClean="0">
+            <a:endParaRPr lang="zh-TW" altLang="en-US" sz="1300" dirty="0">
+              <a:latin typeface="Times New Roman" panose="02020603050405020304" pitchFamily="18" charset="0"/>
               <a:ea typeface="標楷體" panose="03000509000000000000" pitchFamily="65" charset="-120"/>
-              <a:cs typeface="Arial" panose="020B0604020202020204" pitchFamily="34" charset="0"/>
-            </a:endParaRPr>
-          </a:p>
-          <a:p>
-            <a:pPr algn="just" defTabSz="457200">
-              <a:defRPr/>
-            </a:pPr>
-            <a:r>
-              <a:rPr lang="en-US" altLang="zh-TW" sz="1300" dirty="0">
-                <a:ea typeface="標楷體" panose="03000509000000000000" pitchFamily="65" charset="-120"/>
-                <a:cs typeface="Arial" panose="020B0604020202020204" pitchFamily="34" charset="0"/>
-              </a:rPr>
-              <a:t>	</a:t>
-            </a:r>
-            <a:r>
-              <a:rPr lang="en-US" altLang="zh-TW" sz="1300" dirty="0">
-                <a:ea typeface="標楷體" panose="03000509000000000000" pitchFamily="65" charset="-120"/>
-                <a:cs typeface="Arial" panose="020B0604020202020204" pitchFamily="34" charset="0"/>
-              </a:rPr>
-              <a:t>(7) </a:t>
-            </a:r>
-            <a:r>
-              <a:rPr lang="zh-TW" altLang="en-US" sz="1300" dirty="0">
-                <a:ea typeface="標楷體" panose="03000509000000000000" pitchFamily="65" charset="-120"/>
-                <a:cs typeface="Arial" panose="020B0604020202020204" pitchFamily="34" charset="0"/>
-              </a:rPr>
-              <a:t>辦理園區廠商與高職學校進行產學攜手就業</a:t>
-            </a:r>
-            <a:r>
-              <a:rPr lang="en-US" altLang="zh-TW" sz="1300" dirty="0" smtClean="0">
-                <a:ea typeface="標楷體" panose="03000509000000000000" pitchFamily="65" charset="-120"/>
-                <a:cs typeface="Arial" panose="020B0604020202020204" pitchFamily="34" charset="0"/>
-              </a:rPr>
-              <a:t>1</a:t>
-            </a:r>
-            <a:r>
-              <a:rPr lang="zh-TW" altLang="en-US" sz="1300" dirty="0" smtClean="0">
-                <a:ea typeface="標楷體" panose="03000509000000000000" pitchFamily="65" charset="-120"/>
-                <a:cs typeface="Arial" panose="020B0604020202020204" pitchFamily="34" charset="0"/>
-              </a:rPr>
-              <a:t>案</a:t>
-            </a:r>
-            <a:endParaRPr lang="zh-TW" altLang="en-US" sz="1300" dirty="0">
-              <a:ea typeface="標楷體" panose="03000509000000000000" pitchFamily="65" charset="-120"/>
-              <a:cs typeface="Arial" panose="020B0604020202020204" pitchFamily="34" charset="0"/>
+              <a:cs typeface="Times New Roman" panose="02020603050405020304" pitchFamily="18" charset="0"/>
             </a:endParaRPr>
           </a:p>
           <a:p>
@@ -9592,8 +9621,9 @@
             </a:pPr>
             <a:r>
               <a:rPr lang="zh-TW" altLang="en-US" sz="1300" kern="0" dirty="0">
+                <a:latin typeface="Times New Roman" panose="02020603050405020304" pitchFamily="18" charset="0"/>
                 <a:ea typeface="標楷體" panose="03000509000000000000" pitchFamily="65" charset="-120"/>
-                <a:cs typeface="Arial" panose="020B0604020202020204" pitchFamily="34" charset="0"/>
+                <a:cs typeface="Times New Roman" panose="02020603050405020304" pitchFamily="18" charset="0"/>
               </a:rPr>
               <a:t>大武崙工業區</a:t>
             </a:r>
@@ -9606,43 +9636,48 @@
             </a:pPr>
             <a:r>
               <a:rPr lang="zh-TW" altLang="en-US" sz="1300" kern="0" dirty="0" smtClean="0">
+                <a:latin typeface="Times New Roman" panose="02020603050405020304" pitchFamily="18" charset="0"/>
                 <a:ea typeface="標楷體" panose="03000509000000000000" pitchFamily="65" charset="-120"/>
-                <a:cs typeface="Arial" panose="020B0604020202020204" pitchFamily="34" charset="0"/>
+                <a:cs typeface="Times New Roman" panose="02020603050405020304" pitchFamily="18" charset="0"/>
               </a:rPr>
               <a:t>園區</a:t>
             </a:r>
             <a:r>
               <a:rPr lang="zh-TW" altLang="en-US" sz="1300" kern="0" dirty="0">
+                <a:latin typeface="Times New Roman" panose="02020603050405020304" pitchFamily="18" charset="0"/>
                 <a:ea typeface="標楷體" panose="03000509000000000000" pitchFamily="65" charset="-120"/>
-                <a:cs typeface="Arial" panose="020B0604020202020204" pitchFamily="34" charset="0"/>
+                <a:cs typeface="Times New Roman" panose="02020603050405020304" pitchFamily="18" charset="0"/>
               </a:rPr>
               <a:t>廠商家數</a:t>
             </a:r>
             <a:r>
               <a:rPr lang="zh-TW" altLang="en-US" sz="1300" kern="0" dirty="0" smtClean="0">
+                <a:latin typeface="Times New Roman" panose="02020603050405020304" pitchFamily="18" charset="0"/>
                 <a:ea typeface="標楷體" panose="03000509000000000000" pitchFamily="65" charset="-120"/>
-                <a:cs typeface="Arial" panose="020B0604020202020204" pitchFamily="34" charset="0"/>
+                <a:cs typeface="Times New Roman" panose="02020603050405020304" pitchFamily="18" charset="0"/>
               </a:rPr>
               <a:t>：</a:t>
             </a:r>
             <a:r>
               <a:rPr lang="en-US" altLang="zh-TW" sz="1300" dirty="0">
                 <a:latin typeface="Times New Roman" panose="02020603050405020304" pitchFamily="18" charset="0"/>
-                <a:ea typeface="標楷體"/>
+                <a:ea typeface="標楷體" panose="03000509000000000000" pitchFamily="65" charset="-120"/>
                 <a:cs typeface="Times New Roman" panose="02020603050405020304" pitchFamily="18" charset="0"/>
               </a:rPr>
               <a:t> 89</a:t>
             </a:r>
             <a:r>
               <a:rPr lang="zh-TW" altLang="en-US" sz="1300" dirty="0">
-                <a:latin typeface="標楷體"/>
-                <a:ea typeface="標楷體"/>
+                <a:latin typeface="Times New Roman" panose="02020603050405020304" pitchFamily="18" charset="0"/>
+                <a:ea typeface="標楷體" panose="03000509000000000000" pitchFamily="65" charset="-120"/>
+                <a:cs typeface="Times New Roman" panose="02020603050405020304" pitchFamily="18" charset="0"/>
               </a:rPr>
               <a:t>家</a:t>
             </a:r>
             <a:endParaRPr lang="zh-TW" altLang="en-US" sz="1300" kern="0" dirty="0">
+              <a:latin typeface="Times New Roman" panose="02020603050405020304" pitchFamily="18" charset="0"/>
               <a:ea typeface="標楷體" panose="03000509000000000000" pitchFamily="65" charset="-120"/>
-              <a:cs typeface="Arial" panose="020B0604020202020204" pitchFamily="34" charset="0"/>
+              <a:cs typeface="Times New Roman" panose="02020603050405020304" pitchFamily="18" charset="0"/>
             </a:endParaRPr>
           </a:p>
           <a:p>
@@ -9653,78 +9688,88 @@
             </a:pPr>
             <a:r>
               <a:rPr lang="zh-TW" altLang="en-US" sz="1300" kern="0" dirty="0">
+                <a:latin typeface="Times New Roman" panose="02020603050405020304" pitchFamily="18" charset="0"/>
                 <a:ea typeface="標楷體" panose="03000509000000000000" pitchFamily="65" charset="-120"/>
-                <a:cs typeface="Arial" panose="020B0604020202020204" pitchFamily="34" charset="0"/>
+                <a:cs typeface="Times New Roman" panose="02020603050405020304" pitchFamily="18" charset="0"/>
               </a:rPr>
               <a:t>總</a:t>
             </a:r>
             <a:r>
               <a:rPr lang="zh-TW" altLang="en-US" sz="1300" kern="0" dirty="0" smtClean="0">
+                <a:latin typeface="Times New Roman" panose="02020603050405020304" pitchFamily="18" charset="0"/>
                 <a:ea typeface="標楷體" panose="03000509000000000000" pitchFamily="65" charset="-120"/>
-                <a:cs typeface="Arial" panose="020B0604020202020204" pitchFamily="34" charset="0"/>
+                <a:cs typeface="Times New Roman" panose="02020603050405020304" pitchFamily="18" charset="0"/>
               </a:rPr>
               <a:t>產值</a:t>
             </a:r>
             <a:r>
               <a:rPr lang="en-US" altLang="zh-TW" sz="1300" kern="0" dirty="0" smtClean="0">
+                <a:latin typeface="Times New Roman" panose="02020603050405020304" pitchFamily="18" charset="0"/>
                 <a:ea typeface="標楷體" panose="03000509000000000000" pitchFamily="65" charset="-120"/>
-                <a:cs typeface="Arial" panose="020B0604020202020204" pitchFamily="34" charset="0"/>
+                <a:cs typeface="Times New Roman" panose="02020603050405020304" pitchFamily="18" charset="0"/>
               </a:rPr>
               <a:t>/</a:t>
             </a:r>
             <a:r>
               <a:rPr lang="zh-TW" altLang="en-US" sz="1300" kern="0" dirty="0">
+                <a:latin typeface="Times New Roman" panose="02020603050405020304" pitchFamily="18" charset="0"/>
                 <a:ea typeface="標楷體" panose="03000509000000000000" pitchFamily="65" charset="-120"/>
-                <a:cs typeface="Arial" panose="020B0604020202020204" pitchFamily="34" charset="0"/>
+                <a:cs typeface="Times New Roman" panose="02020603050405020304" pitchFamily="18" charset="0"/>
               </a:rPr>
               <a:t>就業人口</a:t>
             </a:r>
             <a:r>
               <a:rPr lang="zh-TW" altLang="en-US" sz="1300" kern="0" dirty="0" smtClean="0">
+                <a:latin typeface="Times New Roman" panose="02020603050405020304" pitchFamily="18" charset="0"/>
                 <a:ea typeface="標楷體" panose="03000509000000000000" pitchFamily="65" charset="-120"/>
-                <a:cs typeface="Arial" panose="020B0604020202020204" pitchFamily="34" charset="0"/>
+                <a:cs typeface="Times New Roman" panose="02020603050405020304" pitchFamily="18" charset="0"/>
               </a:rPr>
               <a:t>：</a:t>
             </a:r>
             <a:r>
               <a:rPr lang="en-US" altLang="zh-TW" sz="1300" dirty="0">
                 <a:latin typeface="Times New Roman" panose="02020603050405020304" pitchFamily="18" charset="0"/>
-                <a:ea typeface="標楷體"/>
+                <a:ea typeface="標楷體" panose="03000509000000000000" pitchFamily="65" charset="-120"/>
                 <a:cs typeface="Times New Roman" panose="02020603050405020304" pitchFamily="18" charset="0"/>
               </a:rPr>
               <a:t> 93</a:t>
             </a:r>
             <a:r>
               <a:rPr lang="zh-TW" altLang="en-US" sz="1300" dirty="0">
-                <a:latin typeface="標楷體"/>
-                <a:ea typeface="標楷體"/>
+                <a:latin typeface="Times New Roman" panose="02020603050405020304" pitchFamily="18" charset="0"/>
+                <a:ea typeface="標楷體" panose="03000509000000000000" pitchFamily="65" charset="-120"/>
+                <a:cs typeface="Times New Roman" panose="02020603050405020304" pitchFamily="18" charset="0"/>
               </a:rPr>
               <a:t>億</a:t>
             </a:r>
             <a:r>
               <a:rPr lang="zh-TW" altLang="en-US" sz="1300" dirty="0" smtClean="0">
-                <a:latin typeface="標楷體"/>
-                <a:ea typeface="標楷體"/>
+                <a:latin typeface="Times New Roman" panose="02020603050405020304" pitchFamily="18" charset="0"/>
+                <a:ea typeface="標楷體" panose="03000509000000000000" pitchFamily="65" charset="-120"/>
+                <a:cs typeface="Times New Roman" panose="02020603050405020304" pitchFamily="18" charset="0"/>
               </a:rPr>
               <a:t>元</a:t>
             </a:r>
             <a:r>
               <a:rPr lang="en-US" altLang="zh-TW" sz="1300" dirty="0" smtClean="0">
-                <a:latin typeface="標楷體"/>
-                <a:ea typeface="標楷體"/>
+                <a:latin typeface="Times New Roman" panose="02020603050405020304" pitchFamily="18" charset="0"/>
+                <a:ea typeface="標楷體" panose="03000509000000000000" pitchFamily="65" charset="-120"/>
+                <a:cs typeface="Times New Roman" panose="02020603050405020304" pitchFamily="18" charset="0"/>
               </a:rPr>
               <a:t>/2980</a:t>
             </a:r>
             <a:r>
               <a:rPr lang="zh-TW" altLang="en-US" sz="1300" dirty="0">
-                <a:latin typeface="標楷體"/>
-                <a:ea typeface="標楷體"/>
+                <a:latin typeface="Times New Roman" panose="02020603050405020304" pitchFamily="18" charset="0"/>
+                <a:ea typeface="標楷體" panose="03000509000000000000" pitchFamily="65" charset="-120"/>
+                <a:cs typeface="Times New Roman" panose="02020603050405020304" pitchFamily="18" charset="0"/>
               </a:rPr>
               <a:t>人</a:t>
             </a:r>
             <a:endParaRPr lang="zh-TW" altLang="en-US" sz="1300" kern="0" dirty="0">
+              <a:latin typeface="Times New Roman" panose="02020603050405020304" pitchFamily="18" charset="0"/>
               <a:ea typeface="標楷體" panose="03000509000000000000" pitchFamily="65" charset="-120"/>
-              <a:cs typeface="Arial" panose="020B0604020202020204" pitchFamily="34" charset="0"/>
+              <a:cs typeface="Times New Roman" panose="02020603050405020304" pitchFamily="18" charset="0"/>
             </a:endParaRPr>
           </a:p>
           <a:p>
@@ -9735,21 +9780,16 @@
             </a:pPr>
             <a:r>
               <a:rPr lang="zh-TW" altLang="en-US" sz="1300" kern="0" dirty="0">
+                <a:latin typeface="Times New Roman" panose="02020603050405020304" pitchFamily="18" charset="0"/>
                 <a:ea typeface="標楷體" panose="03000509000000000000" pitchFamily="65" charset="-120"/>
-                <a:cs typeface="Arial" panose="020B0604020202020204" pitchFamily="34" charset="0"/>
+                <a:cs typeface="Times New Roman" panose="02020603050405020304" pitchFamily="18" charset="0"/>
               </a:rPr>
-              <a:t>前三大產業</a:t>
-            </a:r>
-            <a:r>
-              <a:rPr lang="zh-TW" altLang="en-US" sz="1300" kern="0" dirty="0">
-                <a:ea typeface="標楷體" panose="03000509000000000000" pitchFamily="65" charset="-120"/>
-                <a:cs typeface="Arial" panose="020B0604020202020204" pitchFamily="34" charset="0"/>
-              </a:rPr>
-              <a:t>：機械設備製造業、其他雜項製品製造業、電力電子製造業</a:t>
+              <a:t>前三大產業：機械設備製造業、其他雜項製品製造業、電力電子製造業</a:t>
             </a:r>
             <a:endParaRPr lang="en-US" altLang="zh-TW" sz="1300" kern="0" dirty="0" smtClean="0">
+              <a:latin typeface="Times New Roman" panose="02020603050405020304" pitchFamily="18" charset="0"/>
               <a:ea typeface="標楷體" panose="03000509000000000000" pitchFamily="65" charset="-120"/>
-              <a:cs typeface="Arial" panose="020B0604020202020204" pitchFamily="34" charset="0"/>
+              <a:cs typeface="Times New Roman" panose="02020603050405020304" pitchFamily="18" charset="0"/>
             </a:endParaRPr>
           </a:p>
           <a:p>
@@ -9760,70 +9800,80 @@
             </a:pPr>
             <a:r>
               <a:rPr lang="zh-TW" altLang="en-US" sz="1300" kern="0" dirty="0" smtClean="0">
+                <a:latin typeface="Times New Roman" panose="02020603050405020304" pitchFamily="18" charset="0"/>
                 <a:ea typeface="標楷體" panose="03000509000000000000" pitchFamily="65" charset="-120"/>
-                <a:cs typeface="Arial" panose="020B0604020202020204" pitchFamily="34" charset="0"/>
+                <a:cs typeface="Times New Roman" panose="02020603050405020304" pitchFamily="18" charset="0"/>
               </a:rPr>
               <a:t>主要</a:t>
             </a:r>
             <a:r>
               <a:rPr lang="zh-TW" altLang="en-US" sz="1300" kern="0" dirty="0">
+                <a:latin typeface="Times New Roman" panose="02020603050405020304" pitchFamily="18" charset="0"/>
                 <a:ea typeface="標楷體" panose="03000509000000000000" pitchFamily="65" charset="-120"/>
-                <a:cs typeface="Arial" panose="020B0604020202020204" pitchFamily="34" charset="0"/>
+                <a:cs typeface="Times New Roman" panose="02020603050405020304" pitchFamily="18" charset="0"/>
               </a:rPr>
               <a:t>廠商</a:t>
             </a:r>
             <a:r>
               <a:rPr lang="en-US" altLang="zh-TW" sz="1300" kern="0" dirty="0">
+                <a:latin typeface="Times New Roman" panose="02020603050405020304" pitchFamily="18" charset="0"/>
                 <a:ea typeface="標楷體" panose="03000509000000000000" pitchFamily="65" charset="-120"/>
-                <a:cs typeface="Arial" panose="020B0604020202020204" pitchFamily="34" charset="0"/>
+                <a:cs typeface="Times New Roman" panose="02020603050405020304" pitchFamily="18" charset="0"/>
               </a:rPr>
               <a:t>(</a:t>
             </a:r>
             <a:r>
               <a:rPr lang="zh-TW" altLang="en-US" sz="1300" kern="0" dirty="0">
+                <a:latin typeface="Times New Roman" panose="02020603050405020304" pitchFamily="18" charset="0"/>
                 <a:ea typeface="標楷體" panose="03000509000000000000" pitchFamily="65" charset="-120"/>
-                <a:cs typeface="Arial" panose="020B0604020202020204" pitchFamily="34" charset="0"/>
+                <a:cs typeface="Times New Roman" panose="02020603050405020304" pitchFamily="18" charset="0"/>
               </a:rPr>
               <a:t>產值前</a:t>
             </a:r>
             <a:r>
               <a:rPr lang="en-US" altLang="zh-TW" sz="1300" kern="0" dirty="0">
+                <a:latin typeface="Times New Roman" panose="02020603050405020304" pitchFamily="18" charset="0"/>
                 <a:ea typeface="標楷體" panose="03000509000000000000" pitchFamily="65" charset="-120"/>
-                <a:cs typeface="Arial" panose="020B0604020202020204" pitchFamily="34" charset="0"/>
+                <a:cs typeface="Times New Roman" panose="02020603050405020304" pitchFamily="18" charset="0"/>
               </a:rPr>
               <a:t>5</a:t>
             </a:r>
             <a:r>
               <a:rPr lang="zh-TW" altLang="en-US" sz="1300" kern="0" dirty="0">
+                <a:latin typeface="Times New Roman" panose="02020603050405020304" pitchFamily="18" charset="0"/>
                 <a:ea typeface="標楷體" panose="03000509000000000000" pitchFamily="65" charset="-120"/>
-                <a:cs typeface="Arial" panose="020B0604020202020204" pitchFamily="34" charset="0"/>
+                <a:cs typeface="Times New Roman" panose="02020603050405020304" pitchFamily="18" charset="0"/>
               </a:rPr>
               <a:t>名</a:t>
             </a:r>
             <a:r>
               <a:rPr lang="en-US" altLang="zh-TW" sz="1300" kern="0" dirty="0">
+                <a:latin typeface="Times New Roman" panose="02020603050405020304" pitchFamily="18" charset="0"/>
                 <a:ea typeface="標楷體" panose="03000509000000000000" pitchFamily="65" charset="-120"/>
-                <a:cs typeface="Arial" panose="020B0604020202020204" pitchFamily="34" charset="0"/>
+                <a:cs typeface="Times New Roman" panose="02020603050405020304" pitchFamily="18" charset="0"/>
               </a:rPr>
               <a:t>)</a:t>
             </a:r>
             <a:r>
               <a:rPr lang="zh-TW" altLang="en-US" sz="1300" kern="0" dirty="0">
+                <a:latin typeface="Times New Roman" panose="02020603050405020304" pitchFamily="18" charset="0"/>
                 <a:ea typeface="標楷體" panose="03000509000000000000" pitchFamily="65" charset="-120"/>
-                <a:cs typeface="Arial" panose="020B0604020202020204" pitchFamily="34" charset="0"/>
+                <a:cs typeface="Times New Roman" panose="02020603050405020304" pitchFamily="18" charset="0"/>
               </a:rPr>
               <a:t>：敦南科技、元璋玻璃、嘉澤端子工業、新峰機械工業、毅太</a:t>
             </a:r>
             <a:r>
               <a:rPr lang="zh-TW" altLang="en-US" sz="1300" kern="0" dirty="0" smtClean="0">
+                <a:latin typeface="Times New Roman" panose="02020603050405020304" pitchFamily="18" charset="0"/>
                 <a:ea typeface="標楷體" panose="03000509000000000000" pitchFamily="65" charset="-120"/>
-                <a:cs typeface="Arial" panose="020B0604020202020204" pitchFamily="34" charset="0"/>
+                <a:cs typeface="Times New Roman" panose="02020603050405020304" pitchFamily="18" charset="0"/>
               </a:rPr>
               <a:t>企業</a:t>
             </a:r>
             <a:endParaRPr lang="en-US" altLang="zh-TW" sz="1300" kern="0" dirty="0" smtClean="0">
+              <a:latin typeface="Times New Roman" panose="02020603050405020304" pitchFamily="18" charset="0"/>
               <a:ea typeface="標楷體" panose="03000509000000000000" pitchFamily="65" charset="-120"/>
-              <a:cs typeface="Arial" panose="020B0604020202020204" pitchFamily="34" charset="0"/>
+              <a:cs typeface="Times New Roman" panose="02020603050405020304" pitchFamily="18" charset="0"/>
             </a:endParaRPr>
           </a:p>
           <a:p>
@@ -9833,8 +9883,9 @@
               <a:defRPr/>
             </a:pPr>
             <a:endParaRPr lang="en-US" altLang="zh-TW" sz="1300" kern="0" dirty="0">
+              <a:latin typeface="Times New Roman" panose="02020603050405020304" pitchFamily="18" charset="0"/>
               <a:ea typeface="標楷體" panose="03000509000000000000" pitchFamily="65" charset="-120"/>
-              <a:cs typeface="Arial" panose="020B0604020202020204" pitchFamily="34" charset="0"/>
+              <a:cs typeface="Times New Roman" panose="02020603050405020304" pitchFamily="18" charset="0"/>
             </a:endParaRPr>
           </a:p>
           <a:p>
@@ -9843,22 +9894,25 @@
             </a:pPr>
             <a:r>
               <a:rPr lang="zh-TW" altLang="en-US" sz="1300" kern="0" dirty="0" smtClean="0">
+                <a:latin typeface="Times New Roman" panose="02020603050405020304" pitchFamily="18" charset="0"/>
                 <a:ea typeface="標楷體" panose="03000509000000000000" pitchFamily="65" charset="-120"/>
-                <a:cs typeface="Arial" panose="020B0604020202020204" pitchFamily="34" charset="0"/>
+                <a:cs typeface="Times New Roman" panose="02020603050405020304" pitchFamily="18" charset="0"/>
               </a:rPr>
               <a:t>瑞</a:t>
             </a:r>
             <a:r>
               <a:rPr lang="zh-TW" altLang="en-US" sz="1300" kern="0" dirty="0">
+                <a:latin typeface="Times New Roman" panose="02020603050405020304" pitchFamily="18" charset="0"/>
                 <a:ea typeface="標楷體" panose="03000509000000000000" pitchFamily="65" charset="-120"/>
-                <a:cs typeface="Arial" panose="020B0604020202020204" pitchFamily="34" charset="0"/>
+                <a:cs typeface="Times New Roman" panose="02020603050405020304" pitchFamily="18" charset="0"/>
               </a:rPr>
               <a:t>芳</a:t>
             </a:r>
             <a:r>
               <a:rPr lang="zh-TW" altLang="en-US" sz="1300" kern="0" dirty="0" smtClean="0">
+                <a:latin typeface="Times New Roman" panose="02020603050405020304" pitchFamily="18" charset="0"/>
                 <a:ea typeface="標楷體" panose="03000509000000000000" pitchFamily="65" charset="-120"/>
-                <a:cs typeface="Arial" panose="020B0604020202020204" pitchFamily="34" charset="0"/>
+                <a:cs typeface="Times New Roman" panose="02020603050405020304" pitchFamily="18" charset="0"/>
               </a:rPr>
               <a:t>工業區</a:t>
             </a:r>
@@ -9871,29 +9925,32 @@
             </a:pPr>
             <a:r>
               <a:rPr lang="zh-TW" altLang="en-US" sz="1300" kern="0" dirty="0" smtClean="0">
+                <a:latin typeface="Times New Roman" panose="02020603050405020304" pitchFamily="18" charset="0"/>
                 <a:ea typeface="標楷體" panose="03000509000000000000" pitchFamily="65" charset="-120"/>
-                <a:cs typeface="Arial" panose="020B0604020202020204" pitchFamily="34" charset="0"/>
+                <a:cs typeface="Times New Roman" panose="02020603050405020304" pitchFamily="18" charset="0"/>
               </a:rPr>
               <a:t>園區廠商家數：</a:t>
             </a:r>
             <a:r>
               <a:rPr lang="en-US" altLang="zh-TW" sz="1300" dirty="0" smtClean="0">
                 <a:latin typeface="Times New Roman" panose="02020603050405020304" pitchFamily="18" charset="0"/>
-                <a:ea typeface="標楷體"/>
+                <a:ea typeface="標楷體" panose="03000509000000000000" pitchFamily="65" charset="-120"/>
                 <a:cs typeface="Times New Roman" panose="02020603050405020304" pitchFamily="18" charset="0"/>
               </a:rPr>
               <a:t> 67</a:t>
             </a:r>
             <a:r>
               <a:rPr lang="zh-TW" altLang="en-US" sz="1300" dirty="0" smtClean="0">
-                <a:latin typeface="標楷體"/>
-                <a:ea typeface="標楷體"/>
+                <a:latin typeface="Times New Roman" panose="02020603050405020304" pitchFamily="18" charset="0"/>
+                <a:ea typeface="標楷體" panose="03000509000000000000" pitchFamily="65" charset="-120"/>
+                <a:cs typeface="Times New Roman" panose="02020603050405020304" pitchFamily="18" charset="0"/>
               </a:rPr>
               <a:t>家</a:t>
             </a:r>
             <a:endParaRPr lang="zh-TW" altLang="en-US" sz="1300" kern="0" dirty="0" smtClean="0">
+              <a:latin typeface="Times New Roman" panose="02020603050405020304" pitchFamily="18" charset="0"/>
               <a:ea typeface="標楷體" panose="03000509000000000000" pitchFamily="65" charset="-120"/>
-              <a:cs typeface="Arial" panose="020B0604020202020204" pitchFamily="34" charset="0"/>
+              <a:cs typeface="Times New Roman" panose="02020603050405020304" pitchFamily="18" charset="0"/>
             </a:endParaRPr>
           </a:p>
           <a:p>
@@ -9904,85 +9961,96 @@
             </a:pPr>
             <a:r>
               <a:rPr lang="zh-TW" altLang="en-US" sz="1300" kern="0" dirty="0" smtClean="0">
+                <a:latin typeface="Times New Roman" panose="02020603050405020304" pitchFamily="18" charset="0"/>
                 <a:ea typeface="標楷體" panose="03000509000000000000" pitchFamily="65" charset="-120"/>
-                <a:cs typeface="Arial" panose="020B0604020202020204" pitchFamily="34" charset="0"/>
+                <a:cs typeface="Times New Roman" panose="02020603050405020304" pitchFamily="18" charset="0"/>
               </a:rPr>
               <a:t>總</a:t>
             </a:r>
             <a:r>
               <a:rPr lang="zh-TW" altLang="en-US" sz="1300" kern="0" dirty="0">
+                <a:latin typeface="Times New Roman" panose="02020603050405020304" pitchFamily="18" charset="0"/>
                 <a:ea typeface="標楷體" panose="03000509000000000000" pitchFamily="65" charset="-120"/>
-                <a:cs typeface="Arial" panose="020B0604020202020204" pitchFamily="34" charset="0"/>
+                <a:cs typeface="Times New Roman" panose="02020603050405020304" pitchFamily="18" charset="0"/>
               </a:rPr>
               <a:t>產值</a:t>
             </a:r>
             <a:r>
               <a:rPr lang="en-US" altLang="zh-TW" sz="1300" kern="0" dirty="0">
+                <a:latin typeface="Times New Roman" panose="02020603050405020304" pitchFamily="18" charset="0"/>
                 <a:ea typeface="標楷體" panose="03000509000000000000" pitchFamily="65" charset="-120"/>
-                <a:cs typeface="Arial" panose="020B0604020202020204" pitchFamily="34" charset="0"/>
+                <a:cs typeface="Times New Roman" panose="02020603050405020304" pitchFamily="18" charset="0"/>
               </a:rPr>
               <a:t>/</a:t>
             </a:r>
             <a:r>
               <a:rPr lang="zh-TW" altLang="en-US" sz="1300" kern="0" dirty="0">
+                <a:latin typeface="Times New Roman" panose="02020603050405020304" pitchFamily="18" charset="0"/>
                 <a:ea typeface="標楷體" panose="03000509000000000000" pitchFamily="65" charset="-120"/>
-                <a:cs typeface="Arial" panose="020B0604020202020204" pitchFamily="34" charset="0"/>
+                <a:cs typeface="Times New Roman" panose="02020603050405020304" pitchFamily="18" charset="0"/>
               </a:rPr>
               <a:t>就業人口</a:t>
             </a:r>
             <a:r>
               <a:rPr lang="zh-TW" altLang="en-US" sz="1300" kern="0" dirty="0" smtClean="0">
+                <a:latin typeface="Times New Roman" panose="02020603050405020304" pitchFamily="18" charset="0"/>
                 <a:ea typeface="標楷體" panose="03000509000000000000" pitchFamily="65" charset="-120"/>
-                <a:cs typeface="Arial" panose="020B0604020202020204" pitchFamily="34" charset="0"/>
+                <a:cs typeface="Times New Roman" panose="02020603050405020304" pitchFamily="18" charset="0"/>
               </a:rPr>
               <a:t>：</a:t>
             </a:r>
             <a:r>
               <a:rPr lang="en-US" altLang="zh-TW" sz="1300" kern="0" dirty="0" smtClean="0">
+                <a:latin typeface="Times New Roman" panose="02020603050405020304" pitchFamily="18" charset="0"/>
                 <a:ea typeface="標楷體" panose="03000509000000000000" pitchFamily="65" charset="-120"/>
-                <a:cs typeface="Arial" panose="020B0604020202020204" pitchFamily="34" charset="0"/>
+                <a:cs typeface="Times New Roman" panose="02020603050405020304" pitchFamily="18" charset="0"/>
               </a:rPr>
               <a:t>78</a:t>
             </a:r>
             <a:r>
               <a:rPr lang="en-US" altLang="zh-TW" sz="1300" dirty="0" smtClean="0">
                 <a:latin typeface="Times New Roman" panose="02020603050405020304" pitchFamily="18" charset="0"/>
-                <a:ea typeface="標楷體"/>
+                <a:ea typeface="標楷體" panose="03000509000000000000" pitchFamily="65" charset="-120"/>
                 <a:cs typeface="Times New Roman" panose="02020603050405020304" pitchFamily="18" charset="0"/>
               </a:rPr>
               <a:t> </a:t>
             </a:r>
             <a:r>
               <a:rPr lang="zh-TW" altLang="en-US" sz="1300" dirty="0" smtClean="0">
-                <a:latin typeface="標楷體"/>
-                <a:ea typeface="標楷體"/>
+                <a:latin typeface="Times New Roman" panose="02020603050405020304" pitchFamily="18" charset="0"/>
+                <a:ea typeface="標楷體" panose="03000509000000000000" pitchFamily="65" charset="-120"/>
+                <a:cs typeface="Times New Roman" panose="02020603050405020304" pitchFamily="18" charset="0"/>
               </a:rPr>
               <a:t>億</a:t>
             </a:r>
             <a:r>
               <a:rPr lang="zh-TW" altLang="en-US" sz="1300" dirty="0">
-                <a:latin typeface="標楷體"/>
-                <a:ea typeface="標楷體"/>
+                <a:latin typeface="Times New Roman" panose="02020603050405020304" pitchFamily="18" charset="0"/>
+                <a:ea typeface="標楷體" panose="03000509000000000000" pitchFamily="65" charset="-120"/>
+                <a:cs typeface="Times New Roman" panose="02020603050405020304" pitchFamily="18" charset="0"/>
               </a:rPr>
               <a:t>元</a:t>
             </a:r>
             <a:r>
               <a:rPr lang="en-US" altLang="zh-TW" sz="1300" dirty="0" smtClean="0">
-                <a:latin typeface="標楷體"/>
-                <a:ea typeface="標楷體"/>
+                <a:latin typeface="Times New Roman" panose="02020603050405020304" pitchFamily="18" charset="0"/>
+                <a:ea typeface="標楷體" panose="03000509000000000000" pitchFamily="65" charset="-120"/>
+                <a:cs typeface="Times New Roman" panose="02020603050405020304" pitchFamily="18" charset="0"/>
               </a:rPr>
               <a:t>/3460</a:t>
             </a:r>
             <a:r>
               <a:rPr lang="zh-TW" altLang="en-US" sz="1300" dirty="0" smtClean="0">
-                <a:latin typeface="標楷體"/>
-                <a:ea typeface="標楷體"/>
+                <a:latin typeface="Times New Roman" panose="02020603050405020304" pitchFamily="18" charset="0"/>
+                <a:ea typeface="標楷體" panose="03000509000000000000" pitchFamily="65" charset="-120"/>
+                <a:cs typeface="Times New Roman" panose="02020603050405020304" pitchFamily="18" charset="0"/>
               </a:rPr>
               <a:t>人</a:t>
             </a:r>
             <a:endParaRPr lang="zh-TW" altLang="en-US" sz="1300" kern="0" dirty="0">
+              <a:latin typeface="Times New Roman" panose="02020603050405020304" pitchFamily="18" charset="0"/>
               <a:ea typeface="標楷體" panose="03000509000000000000" pitchFamily="65" charset="-120"/>
-              <a:cs typeface="Arial" panose="020B0604020202020204" pitchFamily="34" charset="0"/>
+              <a:cs typeface="Times New Roman" panose="02020603050405020304" pitchFamily="18" charset="0"/>
             </a:endParaRPr>
           </a:p>
           <a:p>
@@ -9993,14 +10061,16 @@
             </a:pPr>
             <a:r>
               <a:rPr lang="zh-TW" altLang="en-US" sz="1300" kern="0" dirty="0">
+                <a:latin typeface="Times New Roman" panose="02020603050405020304" pitchFamily="18" charset="0"/>
                 <a:ea typeface="標楷體" panose="03000509000000000000" pitchFamily="65" charset="-120"/>
-                <a:cs typeface="Arial" panose="020B0604020202020204" pitchFamily="34" charset="0"/>
+                <a:cs typeface="Times New Roman" panose="02020603050405020304" pitchFamily="18" charset="0"/>
               </a:rPr>
               <a:t>前三大產業：機械設備製造業、食品製造業、非金屬礦物製品製造業</a:t>
             </a:r>
             <a:endParaRPr lang="en-US" altLang="zh-TW" sz="1300" kern="0" dirty="0">
+              <a:latin typeface="Times New Roman" panose="02020603050405020304" pitchFamily="18" charset="0"/>
               <a:ea typeface="標楷體" panose="03000509000000000000" pitchFamily="65" charset="-120"/>
-              <a:cs typeface="Arial" panose="020B0604020202020204" pitchFamily="34" charset="0"/>
+              <a:cs typeface="Times New Roman" panose="02020603050405020304" pitchFamily="18" charset="0"/>
             </a:endParaRPr>
           </a:p>
           <a:p>
@@ -10011,50 +10081,57 @@
             </a:pPr>
             <a:r>
               <a:rPr lang="zh-TW" altLang="en-US" sz="1300" kern="0" dirty="0">
+                <a:latin typeface="Times New Roman" panose="02020603050405020304" pitchFamily="18" charset="0"/>
                 <a:ea typeface="標楷體" panose="03000509000000000000" pitchFamily="65" charset="-120"/>
-                <a:cs typeface="Arial" panose="020B0604020202020204" pitchFamily="34" charset="0"/>
+                <a:cs typeface="Times New Roman" panose="02020603050405020304" pitchFamily="18" charset="0"/>
               </a:rPr>
               <a:t>主要廠商</a:t>
             </a:r>
             <a:r>
               <a:rPr lang="en-US" altLang="zh-TW" sz="1300" kern="0" dirty="0">
+                <a:latin typeface="Times New Roman" panose="02020603050405020304" pitchFamily="18" charset="0"/>
                 <a:ea typeface="標楷體" panose="03000509000000000000" pitchFamily="65" charset="-120"/>
-                <a:cs typeface="Arial" panose="020B0604020202020204" pitchFamily="34" charset="0"/>
+                <a:cs typeface="Times New Roman" panose="02020603050405020304" pitchFamily="18" charset="0"/>
               </a:rPr>
               <a:t>(</a:t>
             </a:r>
             <a:r>
               <a:rPr lang="zh-TW" altLang="en-US" sz="1300" kern="0" dirty="0">
+                <a:latin typeface="Times New Roman" panose="02020603050405020304" pitchFamily="18" charset="0"/>
                 <a:ea typeface="標楷體" panose="03000509000000000000" pitchFamily="65" charset="-120"/>
-                <a:cs typeface="Arial" panose="020B0604020202020204" pitchFamily="34" charset="0"/>
+                <a:cs typeface="Times New Roman" panose="02020603050405020304" pitchFamily="18" charset="0"/>
               </a:rPr>
               <a:t>產值前</a:t>
             </a:r>
             <a:r>
               <a:rPr lang="en-US" altLang="zh-TW" sz="1300" kern="0" dirty="0">
+                <a:latin typeface="Times New Roman" panose="02020603050405020304" pitchFamily="18" charset="0"/>
                 <a:ea typeface="標楷體" panose="03000509000000000000" pitchFamily="65" charset="-120"/>
-                <a:cs typeface="Arial" panose="020B0604020202020204" pitchFamily="34" charset="0"/>
+                <a:cs typeface="Times New Roman" panose="02020603050405020304" pitchFamily="18" charset="0"/>
               </a:rPr>
               <a:t>5</a:t>
             </a:r>
             <a:r>
               <a:rPr lang="zh-TW" altLang="en-US" sz="1300" kern="0" dirty="0">
+                <a:latin typeface="Times New Roman" panose="02020603050405020304" pitchFamily="18" charset="0"/>
                 <a:ea typeface="標楷體" panose="03000509000000000000" pitchFamily="65" charset="-120"/>
-                <a:cs typeface="Arial" panose="020B0604020202020204" pitchFamily="34" charset="0"/>
+                <a:cs typeface="Times New Roman" panose="02020603050405020304" pitchFamily="18" charset="0"/>
               </a:rPr>
               <a:t>名</a:t>
             </a:r>
             <a:r>
               <a:rPr lang="en-US" altLang="zh-TW" sz="1300" kern="0" dirty="0">
+                <a:latin typeface="Times New Roman" panose="02020603050405020304" pitchFamily="18" charset="0"/>
                 <a:ea typeface="標楷體" panose="03000509000000000000" pitchFamily="65" charset="-120"/>
-                <a:cs typeface="Arial" panose="020B0604020202020204" pitchFamily="34" charset="0"/>
+                <a:cs typeface="Times New Roman" panose="02020603050405020304" pitchFamily="18" charset="0"/>
               </a:rPr>
               <a:t>)</a:t>
             </a:r>
             <a:r>
               <a:rPr lang="zh-TW" altLang="en-US" sz="1300" kern="0" dirty="0">
+                <a:latin typeface="Times New Roman" panose="02020603050405020304" pitchFamily="18" charset="0"/>
                 <a:ea typeface="標楷體" panose="03000509000000000000" pitchFamily="65" charset="-120"/>
-                <a:cs typeface="Arial" panose="020B0604020202020204" pitchFamily="34" charset="0"/>
+                <a:cs typeface="Times New Roman" panose="02020603050405020304" pitchFamily="18" charset="0"/>
               </a:rPr>
               <a:t>：佰龍機械、廣運機械工業、宏益玻璃、豐兆航太、得洋電子工業</a:t>
             </a:r>
